--- a/EDA Presentation.pptx
+++ b/EDA Presentation.pptx
@@ -3515,10 +3515,10 @@
       </p:pic>
       <p:pic>
         <p:nvPicPr>
-          <p:cNvPr id="7" name="Picture 6">
-            <a:extLst>
-              <a:ext uri="{FF2B5EF4-FFF2-40B4-BE49-F238E27FC236}">
-                <a16:creationId xmlns:a16="http://schemas.microsoft.com/office/drawing/2014/main" id="{56D18AA5-BB50-41AA-A8D9-960E8028DCCD}"/>
+          <p:cNvPr id="8" name="Picture 7">
+            <a:extLst>
+              <a:ext uri="{FF2B5EF4-FFF2-40B4-BE49-F238E27FC236}">
+                <a16:creationId xmlns:a16="http://schemas.microsoft.com/office/drawing/2014/main" id="{C3E4254A-AA45-4886-BB56-687FAB46B871}"/>
               </a:ext>
             </a:extLst>
           </p:cNvPr>
@@ -3529,36 +3529,6 @@
         </p:nvPicPr>
         <p:blipFill>
           <a:blip r:embed="rId4"/>
-          <a:stretch>
-            <a:fillRect/>
-          </a:stretch>
-        </p:blipFill>
-        <p:spPr>
-          <a:xfrm>
-            <a:off x="2645221" y="4114422"/>
-            <a:ext cx="3876510" cy="2392361"/>
-          </a:xfrm>
-          <a:prstGeom prst="rect">
-            <a:avLst/>
-          </a:prstGeom>
-        </p:spPr>
-      </p:pic>
-      <p:pic>
-        <p:nvPicPr>
-          <p:cNvPr id="8" name="Picture 7">
-            <a:extLst>
-              <a:ext uri="{FF2B5EF4-FFF2-40B4-BE49-F238E27FC236}">
-                <a16:creationId xmlns:a16="http://schemas.microsoft.com/office/drawing/2014/main" id="{C3E4254A-AA45-4886-BB56-687FAB46B871}"/>
-              </a:ext>
-            </a:extLst>
-          </p:cNvPr>
-          <p:cNvPicPr>
-            <a:picLocks noChangeAspect="1"/>
-          </p:cNvPicPr>
-          <p:nvPr/>
-        </p:nvPicPr>
-        <p:blipFill>
-          <a:blip r:embed="rId5"/>
           <a:stretch>
             <a:fillRect/>
           </a:stretch>
@@ -3669,6 +3639,36 @@
           </a:p>
         </p:txBody>
       </p:sp>
+      <p:pic>
+        <p:nvPicPr>
+          <p:cNvPr id="3" name="Picture 2">
+            <a:extLst>
+              <a:ext uri="{FF2B5EF4-FFF2-40B4-BE49-F238E27FC236}">
+                <a16:creationId xmlns:a16="http://schemas.microsoft.com/office/drawing/2014/main" id="{2A95C4DF-467F-4FD9-9B21-A800909C598D}"/>
+              </a:ext>
+            </a:extLst>
+          </p:cNvPr>
+          <p:cNvPicPr>
+            <a:picLocks noChangeAspect="1"/>
+          </p:cNvPicPr>
+          <p:nvPr/>
+        </p:nvPicPr>
+        <p:blipFill>
+          <a:blip r:embed="rId5"/>
+          <a:stretch>
+            <a:fillRect/>
+          </a:stretch>
+        </p:blipFill>
+        <p:spPr>
+          <a:xfrm>
+            <a:off x="2713065" y="4106589"/>
+            <a:ext cx="3866667" cy="2386286"/>
+          </a:xfrm>
+          <a:prstGeom prst="rect">
+            <a:avLst/>
+          </a:prstGeom>
+        </p:spPr>
+      </p:pic>
     </p:spTree>
     <p:extLst>
       <p:ext uri="{BB962C8B-B14F-4D97-AF65-F5344CB8AC3E}">
@@ -5335,6 +5335,20 @@
             <a:br>
               <a:rPr lang="en-US" dirty="0"/>
             </a:br>
+            <a:endParaRPr lang="en-US" dirty="0"/>
+          </a:p>
+          <a:p>
+            <a:pPr lvl="1"/>
+            <a:endParaRPr lang="en-US" dirty="0"/>
+          </a:p>
+          <a:p>
+            <a:pPr lvl="1"/>
+            <a:endParaRPr lang="en-US" dirty="0"/>
+          </a:p>
+          <a:p>
+            <a:pPr marL="457200" lvl="1" indent="0">
+              <a:buNone/>
+            </a:pPr>
             <a:endParaRPr lang="en-US" dirty="0"/>
           </a:p>
           <a:p>

--- a/EDA Presentation.pptx
+++ b/EDA Presentation.pptx
@@ -3729,19 +3729,17 @@
       </p:sp>
       <p:pic>
         <p:nvPicPr>
-          <p:cNvPr id="4" name="Content Placeholder 3">
-            <a:extLst>
-              <a:ext uri="{FF2B5EF4-FFF2-40B4-BE49-F238E27FC236}">
-                <a16:creationId xmlns:a16="http://schemas.microsoft.com/office/drawing/2014/main" id="{5A8FFC32-4A59-4775-84F8-B6BBB8EE8523}"/>
+          <p:cNvPr id="9" name="Picture 8">
+            <a:extLst>
+              <a:ext uri="{FF2B5EF4-FFF2-40B4-BE49-F238E27FC236}">
+                <a16:creationId xmlns:a16="http://schemas.microsoft.com/office/drawing/2014/main" id="{436A3EE7-09B3-47C3-9A11-0235B322C566}"/>
               </a:ext>
             </a:extLst>
           </p:cNvPr>
           <p:cNvPicPr>
-            <a:picLocks noGrp="1" noChangeAspect="1"/>
+            <a:picLocks noChangeAspect="1"/>
           </p:cNvPicPr>
-          <p:nvPr>
-            <p:ph idx="1"/>
-          </p:nvPr>
+          <p:nvPr/>
         </p:nvPicPr>
         <p:blipFill>
           <a:blip r:embed="rId2"/>
@@ -3751,38 +3749,8 @@
         </p:blipFill>
         <p:spPr>
           <a:xfrm>
-            <a:off x="5103195" y="1902207"/>
-            <a:ext cx="6666667" cy="4114286"/>
-          </a:xfrm>
-          <a:prstGeom prst="rect">
-            <a:avLst/>
-          </a:prstGeom>
-        </p:spPr>
-      </p:pic>
-      <p:pic>
-        <p:nvPicPr>
-          <p:cNvPr id="5" name="Picture 4">
-            <a:extLst>
-              <a:ext uri="{FF2B5EF4-FFF2-40B4-BE49-F238E27FC236}">
-                <a16:creationId xmlns:a16="http://schemas.microsoft.com/office/drawing/2014/main" id="{7AC922AF-AA5D-4D23-A47F-4052A6B7AC52}"/>
-              </a:ext>
-            </a:extLst>
-          </p:cNvPr>
-          <p:cNvPicPr>
-            <a:picLocks noChangeAspect="1"/>
-          </p:cNvPicPr>
-          <p:nvPr/>
-        </p:nvPicPr>
-        <p:blipFill>
-          <a:blip r:embed="rId3"/>
-          <a:stretch>
-            <a:fillRect/>
-          </a:stretch>
-        </p:blipFill>
-        <p:spPr>
-          <a:xfrm>
-            <a:off x="838200" y="3181315"/>
-            <a:ext cx="3839111" cy="495369"/>
+            <a:off x="2267769" y="1767745"/>
+            <a:ext cx="7656461" cy="4725130"/>
           </a:xfrm>
           <a:prstGeom prst="rect">
             <a:avLst/>
@@ -4702,7 +4670,7 @@
         </p:blipFill>
         <p:spPr>
           <a:xfrm>
-            <a:off x="7864141" y="1913688"/>
+            <a:off x="8109792" y="1889588"/>
             <a:ext cx="3876675" cy="800100"/>
           </a:xfrm>
           <a:prstGeom prst="rect">
@@ -5306,14 +5274,19 @@
             <p:ph idx="1"/>
           </p:nvPr>
         </p:nvSpPr>
-        <p:spPr/>
-        <p:txBody>
-          <a:bodyPr/>
-          <a:lstStyle/>
-          <a:p>
-            <a:r>
-              <a:rPr lang="en-US" dirty="0"/>
-              <a:t>To insure that we have exhausted other methodologies of prediction and derived the best prediction we also explored the KNN method</a:t>
+        <p:spPr>
+          <a:xfrm>
+            <a:off x="838200" y="1825624"/>
+            <a:ext cx="10515600" cy="4922149"/>
+          </a:xfrm>
+        </p:spPr>
+        <p:txBody>
+          <a:bodyPr/>
+          <a:lstStyle/>
+          <a:p>
+            <a:r>
+              <a:rPr lang="en-US" dirty="0"/>
+              <a:t>To ensure that we have exhausted other methodologies of prediction and derived the best prediction we also explored the KNN method</a:t>
             </a:r>
           </a:p>
           <a:p>
@@ -5327,11 +5300,9 @@
             <a:endParaRPr lang="en-US" dirty="0"/>
           </a:p>
           <a:p>
-            <a:pPr lvl="1"/>
-            <a:r>
-              <a:rPr lang="en-US" dirty="0"/>
-              <a:t>LM (Linear Model)</a:t>
-            </a:r>
+            <a:pPr marL="457200" lvl="1" indent="0">
+              <a:buNone/>
+            </a:pPr>
             <a:br>
               <a:rPr lang="en-US" dirty="0"/>
             </a:br>
@@ -5352,13 +5323,9 @@
             <a:endParaRPr lang="en-US" dirty="0"/>
           </a:p>
           <a:p>
-            <a:pPr lvl="1"/>
-            <a:r>
-              <a:rPr lang="en-US" dirty="0"/>
-              <a:t>KNN (K Nearest Neighbors)</a:t>
-            </a:r>
-          </a:p>
-          <a:p>
+            <a:pPr marL="0" indent="0">
+              <a:buNone/>
+            </a:pPr>
             <a:endParaRPr lang="en-US" dirty="0"/>
           </a:p>
           <a:p>
@@ -5388,7 +5355,7 @@
         </p:blipFill>
         <p:spPr>
           <a:xfrm>
-            <a:off x="5553512" y="3196929"/>
+            <a:off x="2625753" y="3222096"/>
             <a:ext cx="5712903" cy="3525678"/>
           </a:xfrm>
           <a:prstGeom prst="rect">
@@ -5470,9 +5437,16 @@
             <p:ph idx="1"/>
           </p:nvPr>
         </p:nvSpPr>
-        <p:spPr/>
-        <p:txBody>
-          <a:bodyPr/>
+        <p:spPr>
+          <a:xfrm>
+            <a:off x="838200" y="1825624"/>
+            <a:ext cx="10515600" cy="4843623"/>
+          </a:xfrm>
+        </p:spPr>
+        <p:txBody>
+          <a:bodyPr>
+            <a:normAutofit/>
+          </a:bodyPr>
           <a:lstStyle/>
           <a:p>
             <a:r>
@@ -5518,30 +5492,56 @@
             <a:br>
               <a:rPr lang="en-US" dirty="0"/>
             </a:br>
+            <a:endParaRPr lang="en-US" dirty="0"/>
+          </a:p>
+          <a:p>
+            <a:pPr lvl="1"/>
+            <a:r>
+              <a:rPr lang="en-US" dirty="0"/>
+              <a:t>We can see visually that </a:t>
+            </a:r>
             <a:br>
               <a:rPr lang="en-US" dirty="0"/>
             </a:br>
+            <a:r>
+              <a:rPr lang="en-US" dirty="0"/>
+              <a:t>the values track with a</a:t>
+            </a:r>
+            <a:br>
+              <a:rPr lang="en-US" dirty="0"/>
+            </a:br>
+            <a:r>
+              <a:rPr lang="en-US" dirty="0"/>
+              <a:t>75% correlation</a:t>
+            </a:r>
+          </a:p>
+          <a:p>
+            <a:pPr lvl="1"/>
             <a:endParaRPr lang="en-US" dirty="0"/>
           </a:p>
           <a:p>
             <a:pPr lvl="1"/>
             <a:r>
               <a:rPr lang="en-US" dirty="0"/>
-              <a:t>We can see visually that </a:t>
-            </a:r>
-            <a:br>
-              <a:rPr lang="en-US" dirty="0"/>
-            </a:br>
-            <a:r>
-              <a:rPr lang="en-US" dirty="0"/>
-              <a:t>the values track with a</a:t>
-            </a:r>
-            <a:br>
-              <a:rPr lang="en-US" dirty="0"/>
-            </a:br>
-            <a:r>
-              <a:rPr lang="en-US" dirty="0"/>
-              <a:t>75% correlation</a:t>
+              <a:t>Being so close, we chose KNN</a:t>
+            </a:r>
+          </a:p>
+          <a:p>
+            <a:pPr marL="457200" lvl="1" indent="0">
+              <a:buNone/>
+            </a:pPr>
+            <a:r>
+              <a:rPr lang="en-US" dirty="0"/>
+              <a:t>    due to the odd fit statistics of</a:t>
+            </a:r>
+          </a:p>
+          <a:p>
+            <a:pPr marL="457200" lvl="1" indent="0">
+              <a:buNone/>
+            </a:pPr>
+            <a:r>
+              <a:rPr lang="en-US" dirty="0"/>
+              <a:t>    the Linear Models</a:t>
             </a:r>
           </a:p>
         </p:txBody>
@@ -5569,7 +5569,7 @@
         <p:spPr>
           <a:xfrm>
             <a:off x="5744698" y="2333399"/>
-            <a:ext cx="3460271" cy="1043170"/>
+            <a:ext cx="3860696" cy="1163886"/>
           </a:xfrm>
           <a:prstGeom prst="rect">
             <a:avLst/>
